--- a/presentation/poster-ADAPT-in-SC.pptx
+++ b/presentation/poster-ADAPT-in-SC.pptx
@@ -829,7 +829,7 @@
           <a:p>
             <a:fld id="{35C332D4-464B-48A6-8AD3-F4FBCA3C0FCC}" type="datetimeFigureOut">
               <a:rPr lang="en-US" smtClean="0"/>
-              <a:t>9/22/2024</a:t>
+              <a:t>9/25/2024</a:t>
             </a:fld>
             <a:endParaRPr lang="en-US"/>
           </a:p>
@@ -997,7 +997,7 @@
           <a:p>
             <a:fld id="{35C332D4-464B-48A6-8AD3-F4FBCA3C0FCC}" type="datetimeFigureOut">
               <a:rPr lang="en-US" smtClean="0"/>
-              <a:t>9/22/2024</a:t>
+              <a:t>9/25/2024</a:t>
             </a:fld>
             <a:endParaRPr lang="en-US"/>
           </a:p>
@@ -1175,7 +1175,7 @@
           <a:p>
             <a:fld id="{35C332D4-464B-48A6-8AD3-F4FBCA3C0FCC}" type="datetimeFigureOut">
               <a:rPr lang="en-US" smtClean="0"/>
-              <a:t>9/22/2024</a:t>
+              <a:t>9/25/2024</a:t>
             </a:fld>
             <a:endParaRPr lang="en-US"/>
           </a:p>
@@ -1373,7 +1373,7 @@
           <a:p>
             <a:fld id="{35C332D4-464B-48A6-8AD3-F4FBCA3C0FCC}" type="datetimeFigureOut">
               <a:rPr lang="en-US" smtClean="0"/>
-              <a:t>9/22/2024</a:t>
+              <a:t>9/25/2024</a:t>
             </a:fld>
             <a:endParaRPr lang="en-US"/>
           </a:p>
@@ -1618,7 +1618,7 @@
           <a:p>
             <a:fld id="{35C332D4-464B-48A6-8AD3-F4FBCA3C0FCC}" type="datetimeFigureOut">
               <a:rPr lang="en-US" smtClean="0"/>
-              <a:t>9/22/2024</a:t>
+              <a:t>9/25/2024</a:t>
             </a:fld>
             <a:endParaRPr lang="en-US"/>
           </a:p>
@@ -1847,7 +1847,7 @@
           <a:p>
             <a:fld id="{35C332D4-464B-48A6-8AD3-F4FBCA3C0FCC}" type="datetimeFigureOut">
               <a:rPr lang="en-US" smtClean="0"/>
-              <a:t>9/22/2024</a:t>
+              <a:t>9/25/2024</a:t>
             </a:fld>
             <a:endParaRPr lang="en-US"/>
           </a:p>
@@ -2211,7 +2211,7 @@
           <a:p>
             <a:fld id="{35C332D4-464B-48A6-8AD3-F4FBCA3C0FCC}" type="datetimeFigureOut">
               <a:rPr lang="en-US" smtClean="0"/>
-              <a:t>9/22/2024</a:t>
+              <a:t>9/25/2024</a:t>
             </a:fld>
             <a:endParaRPr lang="en-US"/>
           </a:p>
@@ -2328,7 +2328,7 @@
           <a:p>
             <a:fld id="{35C332D4-464B-48A6-8AD3-F4FBCA3C0FCC}" type="datetimeFigureOut">
               <a:rPr lang="en-US" smtClean="0"/>
-              <a:t>9/22/2024</a:t>
+              <a:t>9/25/2024</a:t>
             </a:fld>
             <a:endParaRPr lang="en-US"/>
           </a:p>
@@ -2423,7 +2423,7 @@
           <a:p>
             <a:fld id="{35C332D4-464B-48A6-8AD3-F4FBCA3C0FCC}" type="datetimeFigureOut">
               <a:rPr lang="en-US" smtClean="0"/>
-              <a:t>9/22/2024</a:t>
+              <a:t>9/25/2024</a:t>
             </a:fld>
             <a:endParaRPr lang="en-US"/>
           </a:p>
@@ -2698,7 +2698,7 @@
           <a:p>
             <a:fld id="{35C332D4-464B-48A6-8AD3-F4FBCA3C0FCC}" type="datetimeFigureOut">
               <a:rPr lang="en-US" smtClean="0"/>
-              <a:t>9/22/2024</a:t>
+              <a:t>9/25/2024</a:t>
             </a:fld>
             <a:endParaRPr lang="en-US"/>
           </a:p>
@@ -2950,7 +2950,7 @@
           <a:p>
             <a:fld id="{35C332D4-464B-48A6-8AD3-F4FBCA3C0FCC}" type="datetimeFigureOut">
               <a:rPr lang="en-US" smtClean="0"/>
-              <a:t>9/22/2024</a:t>
+              <a:t>9/25/2024</a:t>
             </a:fld>
             <a:endParaRPr lang="en-US"/>
           </a:p>
@@ -3161,7 +3161,7 @@
           <a:p>
             <a:fld id="{35C332D4-464B-48A6-8AD3-F4FBCA3C0FCC}" type="datetimeFigureOut">
               <a:rPr lang="en-US" smtClean="0"/>
-              <a:t>9/22/2024</a:t>
+              <a:t>9/25/2024</a:t>
             </a:fld>
             <a:endParaRPr lang="en-US"/>
           </a:p>
@@ -3720,7 +3720,31 @@
                 <a:ea typeface="Cambria Math" panose="02040503050406030204" pitchFamily="18" charset="0"/>
                 <a:cs typeface="Times New Roman" panose="02020603050405020304" pitchFamily="18" charset="0"/>
               </a:rPr>
-              <a:t>Machine Learning Enhancing the Design of</a:t>
+              <a:t>Machine Learning </a:t>
+            </a:r>
+            <a:r>
+              <a:rPr lang="en-US" sz="11500" b="1" dirty="0">
+                <a:latin typeface="Cambria Math" panose="02040503050406030204" pitchFamily="18" charset="0"/>
+                <a:ea typeface="Cambria Math" panose="02040503050406030204" pitchFamily="18" charset="0"/>
+                <a:cs typeface="Times New Roman" panose="02020603050405020304" pitchFamily="18" charset="0"/>
+              </a:rPr>
+              <a:t>t</a:t>
+            </a:r>
+            <a:r>
+              <a:rPr lang="en-US" sz="11500" b="1" dirty="0" smtClean="0">
+                <a:latin typeface="Cambria Math" panose="02040503050406030204" pitchFamily="18" charset="0"/>
+                <a:ea typeface="Cambria Math" panose="02040503050406030204" pitchFamily="18" charset="0"/>
+                <a:cs typeface="Times New Roman" panose="02020603050405020304" pitchFamily="18" charset="0"/>
+              </a:rPr>
+              <a:t>o Enhance </a:t>
+            </a:r>
+            <a:r>
+              <a:rPr lang="en-US" sz="11500" b="1" dirty="0">
+                <a:latin typeface="Cambria Math" panose="02040503050406030204" pitchFamily="18" charset="0"/>
+                <a:ea typeface="Cambria Math" panose="02040503050406030204" pitchFamily="18" charset="0"/>
+                <a:cs typeface="Times New Roman" panose="02020603050405020304" pitchFamily="18" charset="0"/>
+              </a:rPr>
+              <a:t>the Design of</a:t>
             </a:r>
           </a:p>
           <a:p>
@@ -3745,13 +3769,42 @@
               </a:spcBef>
             </a:pPr>
             <a:r>
-              <a:rPr lang="en-US" sz="6600" b="1" dirty="0">
+              <a:rPr lang="en-US" sz="5400" b="1" dirty="0">
                 <a:latin typeface="Cambria Math" panose="02040503050406030204" pitchFamily="18" charset="0"/>
                 <a:ea typeface="Cambria Math" panose="02040503050406030204" pitchFamily="18" charset="0"/>
                 <a:cs typeface="Times New Roman" panose="02020603050405020304" pitchFamily="18" charset="0"/>
               </a:rPr>
-              <a:t>James Craven, Matthew Lindsey, Dr. Zachary Abernathy, and Dr. Kristen Abernathy</a:t>
-            </a:r>
+              <a:t>James Craven, Matthew Lindsey, Dr. Zachary Abernathy, </a:t>
+            </a:r>
+            <a:r>
+              <a:rPr lang="en-US" sz="5400" b="1" dirty="0" smtClean="0">
+                <a:latin typeface="Cambria Math" panose="02040503050406030204" pitchFamily="18" charset="0"/>
+                <a:ea typeface="Cambria Math" panose="02040503050406030204" pitchFamily="18" charset="0"/>
+                <a:cs typeface="Times New Roman" panose="02020603050405020304" pitchFamily="18" charset="0"/>
+              </a:rPr>
+              <a:t>Dr</a:t>
+            </a:r>
+            <a:r>
+              <a:rPr lang="en-US" sz="5400" b="1" dirty="0">
+                <a:latin typeface="Cambria Math" panose="02040503050406030204" pitchFamily="18" charset="0"/>
+                <a:ea typeface="Cambria Math" panose="02040503050406030204" pitchFamily="18" charset="0"/>
+                <a:cs typeface="Times New Roman" panose="02020603050405020304" pitchFamily="18" charset="0"/>
+              </a:rPr>
+              <a:t>. Kristen </a:t>
+            </a:r>
+            <a:r>
+              <a:rPr lang="en-US" sz="5400" b="1" dirty="0" smtClean="0">
+                <a:latin typeface="Cambria Math" panose="02040503050406030204" pitchFamily="18" charset="0"/>
+                <a:ea typeface="Cambria Math" panose="02040503050406030204" pitchFamily="18" charset="0"/>
+                <a:cs typeface="Times New Roman" panose="02020603050405020304" pitchFamily="18" charset="0"/>
+              </a:rPr>
+              <a:t>Abernathy, and Dr. Timea Fernandez</a:t>
+            </a:r>
+            <a:endParaRPr lang="en-US" sz="5400" b="1" dirty="0">
+              <a:latin typeface="Cambria Math" panose="02040503050406030204" pitchFamily="18" charset="0"/>
+              <a:ea typeface="Cambria Math" panose="02040503050406030204" pitchFamily="18" charset="0"/>
+              <a:cs typeface="Times New Roman" panose="02020603050405020304" pitchFamily="18" charset="0"/>
+            </a:endParaRPr>
           </a:p>
           <a:p>
             <a:pPr defTabSz="4389438"/>
@@ -3781,7 +3834,7 @@
         </p:nvSpPr>
         <p:spPr bwMode="auto">
           <a:xfrm rot="10800000" flipV="1">
-            <a:off x="144022" y="30832953"/>
+            <a:off x="144022" y="30753439"/>
             <a:ext cx="11921484" cy="1933047"/>
           </a:xfrm>
           <a:prstGeom prst="rect">
@@ -3813,24 +3866,77 @@
                 <a:ea typeface="Cambria Math" panose="02040503050406030204" pitchFamily="18" charset="0"/>
                 <a:cs typeface="Times New Roman" panose="02020603050405020304" pitchFamily="18" charset="0"/>
               </a:rPr>
-              <a:t>Support for this research was provided by the National Science Foundation </a:t>
-            </a:r>
-            <a:r>
-              <a:rPr lang="en-US" sz="3200" dirty="0" err="1">
+              <a:t>Support for this research was provided by </a:t>
+            </a:r>
+            <a:r>
+              <a:rPr lang="en-US" sz="3200" dirty="0" smtClean="0">
                 <a:latin typeface="Cambria Math" panose="02040503050406030204" pitchFamily="18" charset="0"/>
                 <a:ea typeface="Cambria Math" panose="02040503050406030204" pitchFamily="18" charset="0"/>
                 <a:cs typeface="Times New Roman" panose="02020603050405020304" pitchFamily="18" charset="0"/>
               </a:rPr>
+              <a:t>ADAPT in SC, an </a:t>
+            </a:r>
+            <a:r>
+              <a:rPr lang="en-US" sz="3200" dirty="0" err="1" smtClean="0">
+                <a:latin typeface="Cambria Math" panose="02040503050406030204" pitchFamily="18" charset="0"/>
+                <a:ea typeface="Cambria Math" panose="02040503050406030204" pitchFamily="18" charset="0"/>
+                <a:cs typeface="Times New Roman" panose="02020603050405020304" pitchFamily="18" charset="0"/>
+              </a:rPr>
               <a:t>EPSCoR</a:t>
             </a:r>
             <a:r>
+              <a:rPr lang="en-US" sz="3200" dirty="0" smtClean="0">
+                <a:latin typeface="Cambria Math" panose="02040503050406030204" pitchFamily="18" charset="0"/>
+                <a:ea typeface="Cambria Math" panose="02040503050406030204" pitchFamily="18" charset="0"/>
+                <a:cs typeface="Times New Roman" panose="02020603050405020304" pitchFamily="18" charset="0"/>
+              </a:rPr>
+              <a:t> program supported by </a:t>
+            </a:r>
+            <a:r>
               <a:rPr lang="en-US" sz="3200" dirty="0">
                 <a:latin typeface="Cambria Math" panose="02040503050406030204" pitchFamily="18" charset="0"/>
                 <a:ea typeface="Cambria Math" panose="02040503050406030204" pitchFamily="18" charset="0"/>
                 <a:cs typeface="Times New Roman" panose="02020603050405020304" pitchFamily="18" charset="0"/>
               </a:rPr>
-              <a:t> Program, Dr. Zachary Abernathy, Dr. Kristen Abernathy, and the Winthrop University Department of Mathematics.</a:t>
-            </a:r>
+              <a:t>NSF </a:t>
+            </a:r>
+            <a:r>
+              <a:rPr lang="en-US" sz="3200" dirty="0" smtClean="0">
+                <a:latin typeface="Cambria Math" panose="02040503050406030204" pitchFamily="18" charset="0"/>
+                <a:ea typeface="Cambria Math" panose="02040503050406030204" pitchFamily="18" charset="0"/>
+                <a:cs typeface="Times New Roman" panose="02020603050405020304" pitchFamily="18" charset="0"/>
+              </a:rPr>
+              <a:t>Award #OIA-2242812. We also wish to thank </a:t>
+            </a:r>
+            <a:r>
+              <a:rPr lang="en-US" sz="3200" dirty="0" smtClean="0">
+                <a:latin typeface="Cambria Math" panose="02040503050406030204" pitchFamily="18" charset="0"/>
+                <a:ea typeface="Cambria Math" panose="02040503050406030204" pitchFamily="18" charset="0"/>
+                <a:cs typeface="Times New Roman" panose="02020603050405020304" pitchFamily="18" charset="0"/>
+              </a:rPr>
+              <a:t>the </a:t>
+            </a:r>
+            <a:r>
+              <a:rPr lang="en-US" sz="3200" dirty="0">
+                <a:latin typeface="Cambria Math" panose="02040503050406030204" pitchFamily="18" charset="0"/>
+                <a:ea typeface="Cambria Math" panose="02040503050406030204" pitchFamily="18" charset="0"/>
+                <a:cs typeface="Times New Roman" panose="02020603050405020304" pitchFamily="18" charset="0"/>
+              </a:rPr>
+              <a:t>Winthrop University Department of </a:t>
+            </a:r>
+            <a:r>
+              <a:rPr lang="en-US" sz="3200" dirty="0" smtClean="0">
+                <a:latin typeface="Cambria Math" panose="02040503050406030204" pitchFamily="18" charset="0"/>
+                <a:ea typeface="Cambria Math" panose="02040503050406030204" pitchFamily="18" charset="0"/>
+                <a:cs typeface="Times New Roman" panose="02020603050405020304" pitchFamily="18" charset="0"/>
+              </a:rPr>
+              <a:t>Mathematics and the SURE program.</a:t>
+            </a:r>
+            <a:endParaRPr lang="en-US" sz="3200" dirty="0">
+              <a:latin typeface="Cambria Math" panose="02040503050406030204" pitchFamily="18" charset="0"/>
+              <a:ea typeface="Cambria Math" panose="02040503050406030204" pitchFamily="18" charset="0"/>
+              <a:cs typeface="Times New Roman" panose="02020603050405020304" pitchFamily="18" charset="0"/>
+            </a:endParaRPr>
           </a:p>
         </p:txBody>
       </p:sp>
@@ -3982,7 +4088,7 @@
         </p:nvSpPr>
         <p:spPr>
           <a:xfrm>
-            <a:off x="228735" y="20746574"/>
+            <a:off x="435214" y="20746574"/>
             <a:ext cx="10293021" cy="8710077"/>
           </a:xfrm>
           <a:prstGeom prst="rect">
@@ -3998,6 +4104,17 @@
           <a:p>
             <a:pPr algn="l"/>
             <a:r>
+              <a:rPr lang="en-US" sz="4000" dirty="0" smtClean="0">
+                <a:solidFill>
+                  <a:schemeClr val="tx1"/>
+                </a:solidFill>
+                <a:latin typeface="Cambria Math" panose="02040503050406030204" pitchFamily="18" charset="0"/>
+                <a:ea typeface="Cambria Math" panose="02040503050406030204" pitchFamily="18" charset="0"/>
+                <a:cs typeface="Adobe Garamond Pro"/>
+              </a:rPr>
+              <a:t>A similar approach for deploying </a:t>
+            </a:r>
+            <a:r>
               <a:rPr lang="en-US" sz="4000" dirty="0">
                 <a:solidFill>
                   <a:schemeClr val="tx1"/>
@@ -4006,10 +4123,10 @@
                 <a:ea typeface="Cambria Math" panose="02040503050406030204" pitchFamily="18" charset="0"/>
                 <a:cs typeface="Adobe Garamond Pro"/>
               </a:rPr>
-              <a:t>To better understand how machine learning is currently used in synthetic biology, we came across the work of </a:t>
-            </a:r>
-            <a:r>
-              <a:rPr lang="en-US" sz="4000" dirty="0" err="1">
+              <a:t>machine learning </a:t>
+            </a:r>
+            <a:r>
+              <a:rPr lang="en-US" sz="4000" dirty="0" smtClean="0">
                 <a:solidFill>
                   <a:schemeClr val="tx1"/>
                 </a:solidFill>
@@ -4017,7 +4134,29 @@
                 <a:ea typeface="Cambria Math" panose="02040503050406030204" pitchFamily="18" charset="0"/>
                 <a:cs typeface="Adobe Garamond Pro"/>
               </a:rPr>
+              <a:t>to inform synthetic biology problems can be found in </a:t>
+            </a:r>
+            <a:r>
+              <a:rPr lang="en-US" sz="4000" dirty="0" err="1" smtClean="0">
+                <a:solidFill>
+                  <a:schemeClr val="tx1"/>
+                </a:solidFill>
+                <a:latin typeface="Cambria Math" panose="02040503050406030204" pitchFamily="18" charset="0"/>
+                <a:ea typeface="Cambria Math" panose="02040503050406030204" pitchFamily="18" charset="0"/>
+                <a:cs typeface="Adobe Garamond Pro"/>
+              </a:rPr>
               <a:t>Angenent</a:t>
+            </a:r>
+            <a:r>
+              <a:rPr lang="en-US" sz="4000" dirty="0" smtClean="0">
+                <a:solidFill>
+                  <a:schemeClr val="tx1"/>
+                </a:solidFill>
+                <a:latin typeface="Cambria Math" panose="02040503050406030204" pitchFamily="18" charset="0"/>
+                <a:ea typeface="Cambria Math" panose="02040503050406030204" pitchFamily="18" charset="0"/>
+                <a:cs typeface="Adobe Garamond Pro"/>
+              </a:rPr>
+              <a:t>-Mari </a:t>
             </a:r>
             <a:r>
               <a:rPr lang="en-US" sz="4000" dirty="0">
@@ -4028,7 +4167,7 @@
                 <a:ea typeface="Cambria Math" panose="02040503050406030204" pitchFamily="18" charset="0"/>
                 <a:cs typeface="Adobe Garamond Pro"/>
               </a:rPr>
-              <a:t>-Mari et al. [1]. Results from this work include:</a:t>
+              <a:t>et al. [1]. Results from this work include:</a:t>
             </a:r>
           </a:p>
           <a:p>
@@ -4084,7 +4223,23 @@
                 <a:ea typeface="Cambria Math" panose="02040503050406030204" pitchFamily="18" charset="0"/>
                 <a:cs typeface="Times New Roman" panose="02020603050405020304" pitchFamily="18" charset="0"/>
               </a:rPr>
-              <a:t>All models tested performed better when trained on nucleotide sequences instead of derived thermodynamic parameters</a:t>
+              <a:t>All </a:t>
+            </a:r>
+            <a:r>
+              <a:rPr lang="en-US" sz="4000" dirty="0" smtClean="0">
+                <a:latin typeface="Cambria Math" panose="02040503050406030204" pitchFamily="18" charset="0"/>
+                <a:ea typeface="Cambria Math" panose="02040503050406030204" pitchFamily="18" charset="0"/>
+                <a:cs typeface="Times New Roman" panose="02020603050405020304" pitchFamily="18" charset="0"/>
+              </a:rPr>
+              <a:t>tested models performed </a:t>
+            </a:r>
+            <a:r>
+              <a:rPr lang="en-US" sz="4000" dirty="0">
+                <a:latin typeface="Cambria Math" panose="02040503050406030204" pitchFamily="18" charset="0"/>
+                <a:ea typeface="Cambria Math" panose="02040503050406030204" pitchFamily="18" charset="0"/>
+                <a:cs typeface="Times New Roman" panose="02020603050405020304" pitchFamily="18" charset="0"/>
+              </a:rPr>
+              <a:t>better when trained on nucleotide sequences instead of derived thermodynamic parameters</a:t>
             </a:r>
           </a:p>
         </p:txBody>
@@ -4097,7 +4252,7 @@
         </p:nvSpPr>
         <p:spPr>
           <a:xfrm>
-            <a:off x="26476036" y="17373599"/>
+            <a:off x="26471273" y="17378361"/>
             <a:ext cx="17415164" cy="923329"/>
           </a:xfrm>
           <a:prstGeom prst="rect">
@@ -4169,8 +4324,47 @@
                 <a:latin typeface="Cambria Math" panose="02040503050406030204" pitchFamily="18" charset="0"/>
                 <a:ea typeface="Cambria Math" panose="02040503050406030204" pitchFamily="18" charset="0"/>
               </a:rPr>
-              <a:t>Sequence data appears to be better for model training due to potential information loss in calculating thermodynamic parameters.</a:t>
-            </a:r>
+              <a:t>Sequence data </a:t>
+            </a:r>
+            <a:r>
+              <a:rPr lang="en-US" sz="3600" dirty="0" smtClean="0">
+                <a:latin typeface="Cambria Math" panose="02040503050406030204" pitchFamily="18" charset="0"/>
+                <a:ea typeface="Cambria Math" panose="02040503050406030204" pitchFamily="18" charset="0"/>
+              </a:rPr>
+              <a:t>(blue) appears </a:t>
+            </a:r>
+            <a:r>
+              <a:rPr lang="en-US" sz="3600" dirty="0">
+                <a:latin typeface="Cambria Math" panose="02040503050406030204" pitchFamily="18" charset="0"/>
+                <a:ea typeface="Cambria Math" panose="02040503050406030204" pitchFamily="18" charset="0"/>
+              </a:rPr>
+              <a:t>to be </a:t>
+            </a:r>
+            <a:r>
+              <a:rPr lang="en-US" sz="3600" dirty="0" smtClean="0">
+                <a:latin typeface="Cambria Math" panose="02040503050406030204" pitchFamily="18" charset="0"/>
+                <a:ea typeface="Cambria Math" panose="02040503050406030204" pitchFamily="18" charset="0"/>
+              </a:rPr>
+              <a:t>more predictive due </a:t>
+            </a:r>
+            <a:r>
+              <a:rPr lang="en-US" sz="3600" dirty="0">
+                <a:latin typeface="Cambria Math" panose="02040503050406030204" pitchFamily="18" charset="0"/>
+                <a:ea typeface="Cambria Math" panose="02040503050406030204" pitchFamily="18" charset="0"/>
+              </a:rPr>
+              <a:t>to potential information loss in calculating thermodynamic </a:t>
+            </a:r>
+            <a:r>
+              <a:rPr lang="en-US" sz="3600" dirty="0" smtClean="0">
+                <a:latin typeface="Cambria Math" panose="02040503050406030204" pitchFamily="18" charset="0"/>
+                <a:ea typeface="Cambria Math" panose="02040503050406030204" pitchFamily="18" charset="0"/>
+              </a:rPr>
+              <a:t>parameters (red)</a:t>
+            </a:r>
+            <a:endParaRPr lang="en-US" sz="3600" dirty="0">
+              <a:latin typeface="Cambria Math" panose="02040503050406030204" pitchFamily="18" charset="0"/>
+              <a:ea typeface="Cambria Math" panose="02040503050406030204" pitchFamily="18" charset="0"/>
+            </a:endParaRPr>
           </a:p>
           <a:p>
             <a:pPr marL="571500" indent="-571500" algn="l">
@@ -4182,8 +4376,19 @@
                 <a:latin typeface="Cambria Math" panose="02040503050406030204" pitchFamily="18" charset="0"/>
                 <a:ea typeface="Cambria Math" panose="02040503050406030204" pitchFamily="18" charset="0"/>
               </a:rPr>
-              <a:t>Neural Networks are effective models for this type of problem.</a:t>
-            </a:r>
+              <a:t>Neural Networks are effective models for this type of </a:t>
+            </a:r>
+            <a:r>
+              <a:rPr lang="en-US" sz="3600" dirty="0" smtClean="0">
+                <a:latin typeface="Cambria Math" panose="02040503050406030204" pitchFamily="18" charset="0"/>
+                <a:ea typeface="Cambria Math" panose="02040503050406030204" pitchFamily="18" charset="0"/>
+              </a:rPr>
+              <a:t>problem</a:t>
+            </a:r>
+            <a:endParaRPr lang="en-US" sz="3600" dirty="0">
+              <a:latin typeface="Cambria Math" panose="02040503050406030204" pitchFamily="18" charset="0"/>
+              <a:ea typeface="Cambria Math" panose="02040503050406030204" pitchFamily="18" charset="0"/>
+            </a:endParaRPr>
           </a:p>
           <a:p>
             <a:pPr marL="571500" indent="-571500" algn="l">
@@ -4195,8 +4400,33 @@
                 <a:latin typeface="Cambria Math" panose="02040503050406030204" pitchFamily="18" charset="0"/>
                 <a:ea typeface="Cambria Math" panose="02040503050406030204" pitchFamily="18" charset="0"/>
               </a:rPr>
-              <a:t>There is either not enough similarity between the datasets or there is not enough data, in general, to do cross-training between the two.</a:t>
-            </a:r>
+              <a:t>There is either not enough similarity between the </a:t>
+            </a:r>
+            <a:r>
+              <a:rPr lang="en-US" sz="3600" dirty="0" smtClean="0">
+                <a:latin typeface="Cambria Math" panose="02040503050406030204" pitchFamily="18" charset="0"/>
+                <a:ea typeface="Cambria Math" panose="02040503050406030204" pitchFamily="18" charset="0"/>
+              </a:rPr>
+              <a:t>two datasets </a:t>
+            </a:r>
+            <a:r>
+              <a:rPr lang="en-US" sz="3600" dirty="0">
+                <a:latin typeface="Cambria Math" panose="02040503050406030204" pitchFamily="18" charset="0"/>
+                <a:ea typeface="Cambria Math" panose="02040503050406030204" pitchFamily="18" charset="0"/>
+              </a:rPr>
+              <a:t>or </a:t>
+            </a:r>
+            <a:r>
+              <a:rPr lang="en-US" sz="3600" dirty="0" smtClean="0">
+                <a:latin typeface="Cambria Math" panose="02040503050406030204" pitchFamily="18" charset="0"/>
+                <a:ea typeface="Cambria Math" panose="02040503050406030204" pitchFamily="18" charset="0"/>
+              </a:rPr>
+              <a:t>not yet enough biosensor data to achieve adequate cross-training</a:t>
+            </a:r>
+            <a:endParaRPr lang="en-US" sz="3600" dirty="0">
+              <a:latin typeface="Cambria Math" panose="02040503050406030204" pitchFamily="18" charset="0"/>
+              <a:ea typeface="Cambria Math" panose="02040503050406030204" pitchFamily="18" charset="0"/>
+            </a:endParaRPr>
           </a:p>
         </p:txBody>
       </p:sp>
@@ -4214,8 +4444,8 @@
         </p:nvSpPr>
         <p:spPr>
           <a:xfrm>
-            <a:off x="322592" y="6781831"/>
-            <a:ext cx="11255406" cy="11787842"/>
+            <a:off x="322591" y="6781831"/>
+            <a:ext cx="11308765" cy="12403395"/>
           </a:xfrm>
           <a:prstGeom prst="rect">
             <a:avLst/>
@@ -4305,11 +4535,11 @@
               <a:buChar char="•"/>
             </a:pPr>
             <a:r>
-              <a:rPr lang="en-US" sz="4000" dirty="0">
-                <a:latin typeface="Cambria Math" panose="02040503050406030204" pitchFamily="18" charset="0"/>
-                <a:ea typeface="Cambria Math" panose="02040503050406030204" pitchFamily="18" charset="0"/>
-              </a:rPr>
-              <a:t>Using both the toehold switch dataset and the Fernandez lab data, do models perform better when trained on nucleotide sequences than thermodynamic parameters? Additionally, does the MLP outperform other regression-based models for both datasets?</a:t>
+              <a:rPr lang="en-US" sz="4000" dirty="0" smtClean="0">
+                <a:latin typeface="Cambria Math" panose="02040503050406030204" pitchFamily="18" charset="0"/>
+                <a:ea typeface="Cambria Math" panose="02040503050406030204" pitchFamily="18" charset="0"/>
+              </a:rPr>
+              <a:t>How can we utilize machine learning (ML) to inform the design of biosensors to emit a strong fluorescence in the presence of dopamine?</a:t>
             </a:r>
           </a:p>
           <a:p>
@@ -4318,25 +4548,101 @@
               <a:buChar char="•"/>
             </a:pPr>
             <a:r>
+              <a:rPr lang="en-US" sz="4000" dirty="0" smtClean="0">
+                <a:latin typeface="Cambria Math" panose="02040503050406030204" pitchFamily="18" charset="0"/>
+                <a:ea typeface="Cambria Math" panose="02040503050406030204" pitchFamily="18" charset="0"/>
+              </a:rPr>
+              <a:t>For </a:t>
+            </a:r>
+            <a:r>
               <a:rPr lang="en-US" sz="4000" dirty="0">
                 <a:latin typeface="Cambria Math" panose="02040503050406030204" pitchFamily="18" charset="0"/>
                 <a:ea typeface="Cambria Math" panose="02040503050406030204" pitchFamily="18" charset="0"/>
               </a:rPr>
-              <a:t>Can we leverage the 90,000+ labeled toehold switch dataset to train a ML model and make accurate predictions on the Fernandez </a:t>
-            </a:r>
-            <a:r>
-              <a:rPr lang="en-US" sz="4000" dirty="0" err="1">
-                <a:latin typeface="Cambria Math" panose="02040503050406030204" pitchFamily="18" charset="0"/>
-                <a:ea typeface="Cambria Math" panose="02040503050406030204" pitchFamily="18" charset="0"/>
-              </a:rPr>
-              <a:t>ribosensor</a:t>
+              <a:t>both </a:t>
+            </a:r>
+            <a:r>
+              <a:rPr lang="en-US" sz="4000" dirty="0" smtClean="0">
+                <a:latin typeface="Cambria Math" panose="02040503050406030204" pitchFamily="18" charset="0"/>
+                <a:ea typeface="Cambria Math" panose="02040503050406030204" pitchFamily="18" charset="0"/>
+              </a:rPr>
+              <a:t>a published </a:t>
             </a:r>
             <a:r>
               <a:rPr lang="en-US" sz="4000" dirty="0">
                 <a:latin typeface="Cambria Math" panose="02040503050406030204" pitchFamily="18" charset="0"/>
                 <a:ea typeface="Cambria Math" panose="02040503050406030204" pitchFamily="18" charset="0"/>
               </a:rPr>
-              <a:t> data?</a:t>
+              <a:t>toehold switch dataset and </a:t>
+            </a:r>
+            <a:r>
+              <a:rPr lang="en-US" sz="4000" dirty="0" smtClean="0">
+                <a:latin typeface="Cambria Math" panose="02040503050406030204" pitchFamily="18" charset="0"/>
+                <a:ea typeface="Cambria Math" panose="02040503050406030204" pitchFamily="18" charset="0"/>
+              </a:rPr>
+              <a:t>Fernandez </a:t>
+            </a:r>
+            <a:r>
+              <a:rPr lang="en-US" sz="4000" dirty="0">
+                <a:latin typeface="Cambria Math" panose="02040503050406030204" pitchFamily="18" charset="0"/>
+                <a:ea typeface="Cambria Math" panose="02040503050406030204" pitchFamily="18" charset="0"/>
+              </a:rPr>
+              <a:t>lab data, do models perform better when trained on nucleotide sequences </a:t>
+            </a:r>
+            <a:r>
+              <a:rPr lang="en-US" sz="4000" dirty="0" smtClean="0">
+                <a:latin typeface="Cambria Math" panose="02040503050406030204" pitchFamily="18" charset="0"/>
+                <a:ea typeface="Cambria Math" panose="02040503050406030204" pitchFamily="18" charset="0"/>
+              </a:rPr>
+              <a:t>or </a:t>
+            </a:r>
+            <a:r>
+              <a:rPr lang="en-US" sz="4000" dirty="0">
+                <a:latin typeface="Cambria Math" panose="02040503050406030204" pitchFamily="18" charset="0"/>
+                <a:ea typeface="Cambria Math" panose="02040503050406030204" pitchFamily="18" charset="0"/>
+              </a:rPr>
+              <a:t>thermodynamic </a:t>
+            </a:r>
+            <a:r>
+              <a:rPr lang="en-US" sz="4000" dirty="0" smtClean="0">
+                <a:latin typeface="Cambria Math" panose="02040503050406030204" pitchFamily="18" charset="0"/>
+                <a:ea typeface="Cambria Math" panose="02040503050406030204" pitchFamily="18" charset="0"/>
+              </a:rPr>
+              <a:t>parameters?</a:t>
+            </a:r>
+          </a:p>
+          <a:p>
+            <a:pPr marL="571500" indent="-571500" algn="l">
+              <a:buFont typeface="Arial" panose="020B0604020202020204" pitchFamily="34" charset="0"/>
+              <a:buChar char="•"/>
+            </a:pPr>
+            <a:r>
+              <a:rPr lang="en-US" sz="4000" dirty="0" smtClean="0">
+                <a:latin typeface="Cambria Math" panose="02040503050406030204" pitchFamily="18" charset="0"/>
+                <a:ea typeface="Cambria Math" panose="02040503050406030204" pitchFamily="18" charset="0"/>
+              </a:rPr>
+              <a:t>Can </a:t>
+            </a:r>
+            <a:r>
+              <a:rPr lang="en-US" sz="4000" dirty="0">
+                <a:latin typeface="Cambria Math" panose="02040503050406030204" pitchFamily="18" charset="0"/>
+                <a:ea typeface="Cambria Math" panose="02040503050406030204" pitchFamily="18" charset="0"/>
+              </a:rPr>
+              <a:t>we leverage the 90,000+ labeled toehold switch dataset to train a ML model and make accurate predictions on the </a:t>
+            </a:r>
+            <a:r>
+              <a:rPr lang="en-US" sz="4000" dirty="0" smtClean="0">
+                <a:latin typeface="Cambria Math" panose="02040503050406030204" pitchFamily="18" charset="0"/>
+                <a:ea typeface="Cambria Math" panose="02040503050406030204" pitchFamily="18" charset="0"/>
+              </a:rPr>
+              <a:t>smaller Fernandez biosensor </a:t>
+            </a:r>
+            <a:r>
+              <a:rPr lang="en-US" sz="4000" dirty="0">
+                <a:latin typeface="Cambria Math" panose="02040503050406030204" pitchFamily="18" charset="0"/>
+                <a:ea typeface="Cambria Math" panose="02040503050406030204" pitchFamily="18" charset="0"/>
+              </a:rPr>
+              <a:t>data?</a:t>
             </a:r>
           </a:p>
         </p:txBody>
@@ -4554,8 +4860,8 @@
         </p:nvSpPr>
         <p:spPr>
           <a:xfrm>
-            <a:off x="26478217" y="28415452"/>
-            <a:ext cx="17412983" cy="923329"/>
+            <a:off x="26466803" y="28415452"/>
+            <a:ext cx="17424397" cy="923329"/>
           </a:xfrm>
           <a:prstGeom prst="rect">
             <a:avLst/>
@@ -4594,8 +4900,8 @@
         </p:nvSpPr>
         <p:spPr>
           <a:xfrm>
-            <a:off x="12160948" y="26461961"/>
-            <a:ext cx="14258976" cy="923330"/>
+            <a:off x="12131965" y="26461961"/>
+            <a:ext cx="14339454" cy="923330"/>
           </a:xfrm>
           <a:prstGeom prst="rect">
             <a:avLst/>
@@ -4635,7 +4941,7 @@
         <p:spPr>
           <a:xfrm>
             <a:off x="0" y="19451781"/>
-            <a:ext cx="12136582" cy="923330"/>
+            <a:ext cx="12131965" cy="923330"/>
           </a:xfrm>
           <a:prstGeom prst="rect">
             <a:avLst/>
@@ -4656,13 +4962,18 @@
           <a:lstStyle/>
           <a:p>
             <a:r>
-              <a:rPr lang="en-US" sz="5400" b="1" u="sng" dirty="0">
+              <a:rPr lang="en-US" sz="5400" b="1" u="sng" dirty="0" smtClean="0">
                 <a:latin typeface="Cambria Math" panose="02040503050406030204" pitchFamily="18" charset="0"/>
                 <a:ea typeface="Cambria Math" panose="02040503050406030204" pitchFamily="18" charset="0"/>
                 <a:cs typeface="Times New Roman" panose="02020603050405020304" pitchFamily="18" charset="0"/>
               </a:rPr>
-              <a:t>Understanding the Problem</a:t>
-            </a:r>
+              <a:t>Background</a:t>
+            </a:r>
+            <a:endParaRPr lang="en-US" sz="5400" b="1" u="sng" dirty="0">
+              <a:latin typeface="Cambria Math" panose="02040503050406030204" pitchFamily="18" charset="0"/>
+              <a:ea typeface="Cambria Math" panose="02040503050406030204" pitchFamily="18" charset="0"/>
+              <a:cs typeface="Times New Roman" panose="02020603050405020304" pitchFamily="18" charset="0"/>
+            </a:endParaRPr>
           </a:p>
         </p:txBody>
       </p:sp>
@@ -4674,8 +4985,8 @@
         </p:nvSpPr>
         <p:spPr>
           <a:xfrm>
-            <a:off x="-58294" y="29822763"/>
-            <a:ext cx="12219243" cy="923330"/>
+            <a:off x="1" y="29623978"/>
+            <a:ext cx="12131964" cy="923330"/>
           </a:xfrm>
           <a:prstGeom prst="rect">
             <a:avLst/>
@@ -4996,7 +5307,21 @@
                 <a:latin typeface="Cambria Math" panose="02040503050406030204" pitchFamily="18" charset="0"/>
                 <a:ea typeface="Cambria Math" panose="02040503050406030204" pitchFamily="18" charset="0"/>
               </a:rPr>
-              <a:t>Most machine learning models require the input data to have the same dimensionality. An option to handle sequences of variable length is to pad them to the same length.</a:t>
+              <a:t>Most machine learning models require the input data to have the same dimensionality. </a:t>
+            </a:r>
+            <a:r>
+              <a:rPr lang="en-US" sz="3600" dirty="0" smtClean="0">
+                <a:latin typeface="Cambria Math" panose="02040503050406030204" pitchFamily="18" charset="0"/>
+                <a:ea typeface="Cambria Math" panose="02040503050406030204" pitchFamily="18" charset="0"/>
+              </a:rPr>
+              <a:t>One </a:t>
+            </a:r>
+            <a:r>
+              <a:rPr lang="en-US" sz="3600" dirty="0">
+                <a:latin typeface="Cambria Math" panose="02040503050406030204" pitchFamily="18" charset="0"/>
+                <a:ea typeface="Cambria Math" panose="02040503050406030204" pitchFamily="18" charset="0"/>
+              </a:rPr>
+              <a:t>option to handle sequences of variable length is to pad them to the same length.</a:t>
             </a:r>
           </a:p>
         </p:txBody>
@@ -5059,8 +5384,8 @@
         </p:blipFill>
         <p:spPr>
           <a:xfrm>
-            <a:off x="10963346" y="13531544"/>
-            <a:ext cx="10861701" cy="600094"/>
+            <a:off x="11401310" y="13546954"/>
+            <a:ext cx="10582766" cy="584683"/>
           </a:xfrm>
           <a:prstGeom prst="rect">
             <a:avLst/>
@@ -5207,36 +5532,6 @@
       </p:cxnSp>
       <p:pic>
         <p:nvPicPr>
-          <p:cNvPr id="20" name="Picture 19">
-            <a:extLst>
-              <a:ext uri="{FF2B5EF4-FFF2-40B4-BE49-F238E27FC236}">
-                <a16:creationId xmlns:a16="http://schemas.microsoft.com/office/drawing/2014/main" id="{81A4257F-75EB-E1CF-5EF6-F38119559FA8}"/>
-              </a:ext>
-            </a:extLst>
-          </p:cNvPr>
-          <p:cNvPicPr>
-            <a:picLocks noChangeAspect="1"/>
-          </p:cNvPicPr>
-          <p:nvPr/>
-        </p:nvPicPr>
-        <p:blipFill>
-          <a:blip r:embed="rId7"/>
-          <a:stretch>
-            <a:fillRect/>
-          </a:stretch>
-        </p:blipFill>
-        <p:spPr>
-          <a:xfrm>
-            <a:off x="30749598" y="20199928"/>
-            <a:ext cx="8278656" cy="1649265"/>
-          </a:xfrm>
-          <a:prstGeom prst="rect">
-            <a:avLst/>
-          </a:prstGeom>
-        </p:spPr>
-      </p:pic>
-      <p:pic>
-        <p:nvPicPr>
           <p:cNvPr id="22" name="Picture 21" descr="A graph with a line&#10;&#10;Description automatically generated">
             <a:extLst>
               <a:ext uri="{FF2B5EF4-FFF2-40B4-BE49-F238E27FC236}">
@@ -5250,7 +5545,7 @@
           <p:nvPr/>
         </p:nvPicPr>
         <p:blipFill>
-          <a:blip r:embed="rId8">
+          <a:blip r:embed="rId7">
             <a:extLst>
               <a:ext uri="{28A0092B-C50C-407E-A947-70E740481C1C}">
                 <a14:useLocalDpi xmlns:a14="http://schemas.microsoft.com/office/drawing/2010/main" val="0"/>
@@ -5324,8 +5619,8 @@
         </p:nvSpPr>
         <p:spPr>
           <a:xfrm>
-            <a:off x="12153207" y="17378920"/>
-            <a:ext cx="14298780" cy="923330"/>
+            <a:off x="12131965" y="17378920"/>
+            <a:ext cx="14339454" cy="923330"/>
           </a:xfrm>
           <a:prstGeom prst="rect">
             <a:avLst/>
@@ -5403,7 +5698,21 @@
                 <a:latin typeface="Cambria Math" panose="02040503050406030204" pitchFamily="18" charset="0"/>
                 <a:ea typeface="Cambria Math" panose="02040503050406030204" pitchFamily="18" charset="0"/>
               </a:rPr>
-              <a:t>Pre-training the neural net on Harvard data and then unfreezing layers and retraining on a portion of Fernandez data.</a:t>
+              <a:t>Pre-training the neural net on </a:t>
+            </a:r>
+            <a:r>
+              <a:rPr lang="en-US" sz="3600" dirty="0" smtClean="0">
+                <a:latin typeface="Cambria Math" panose="02040503050406030204" pitchFamily="18" charset="0"/>
+                <a:ea typeface="Cambria Math" panose="02040503050406030204" pitchFamily="18" charset="0"/>
+              </a:rPr>
+              <a:t>toehold switch </a:t>
+            </a:r>
+            <a:r>
+              <a:rPr lang="en-US" sz="3600" dirty="0">
+                <a:latin typeface="Cambria Math" panose="02040503050406030204" pitchFamily="18" charset="0"/>
+                <a:ea typeface="Cambria Math" panose="02040503050406030204" pitchFamily="18" charset="0"/>
+              </a:rPr>
+              <a:t>data and then unfreezing layers and retraining on a portion of Fernandez data.</a:t>
             </a:r>
           </a:p>
           <a:p>
@@ -5429,7 +5738,21 @@
                 <a:latin typeface="Cambria Math" panose="02040503050406030204" pitchFamily="18" charset="0"/>
                 <a:ea typeface="Cambria Math" panose="02040503050406030204" pitchFamily="18" charset="0"/>
               </a:rPr>
-              <a:t>Revisiting the literature to see if other data sources are closer in design to our dopamine sensors.</a:t>
+              <a:t>Revisiting the literature to see if other data sources are closer in design to </a:t>
+            </a:r>
+            <a:r>
+              <a:rPr lang="en-US" sz="3600" dirty="0" smtClean="0">
+                <a:latin typeface="Cambria Math" panose="02040503050406030204" pitchFamily="18" charset="0"/>
+                <a:ea typeface="Cambria Math" panose="02040503050406030204" pitchFamily="18" charset="0"/>
+              </a:rPr>
+              <a:t>the Fernandez lab </a:t>
+            </a:r>
+            <a:r>
+              <a:rPr lang="en-US" sz="3600" dirty="0">
+                <a:latin typeface="Cambria Math" panose="02040503050406030204" pitchFamily="18" charset="0"/>
+                <a:ea typeface="Cambria Math" panose="02040503050406030204" pitchFamily="18" charset="0"/>
+              </a:rPr>
+              <a:t>dopamine sensors.</a:t>
             </a:r>
           </a:p>
         </p:txBody>
@@ -5449,7 +5772,7 @@
           <p:nvPr/>
         </p:nvPicPr>
         <p:blipFill>
-          <a:blip r:embed="rId9">
+          <a:blip r:embed="rId8">
             <a:extLst>
               <a:ext uri="{28A0092B-C50C-407E-A947-70E740481C1C}">
                 <a14:useLocalDpi xmlns:a14="http://schemas.microsoft.com/office/drawing/2010/main" val="0"/>
@@ -5485,7 +5808,7 @@
           <p:nvPr/>
         </p:nvPicPr>
         <p:blipFill>
-          <a:blip r:embed="rId10">
+          <a:blip r:embed="rId9">
             <a:extLst>
               <a:ext uri="{28A0092B-C50C-407E-A947-70E740481C1C}">
                 <a14:useLocalDpi xmlns:a14="http://schemas.microsoft.com/office/drawing/2010/main" val="0"/>
@@ -5521,7 +5844,7 @@
           <p:nvPr/>
         </p:nvPicPr>
         <p:blipFill>
-          <a:blip r:embed="rId11">
+          <a:blip r:embed="rId10">
             <a:extLst>
               <a:ext uri="{28A0092B-C50C-407E-A947-70E740481C1C}">
                 <a14:useLocalDpi xmlns:a14="http://schemas.microsoft.com/office/drawing/2010/main" val="0"/>
@@ -5595,7 +5918,7 @@
           <p:nvPr/>
         </p:nvPicPr>
         <p:blipFill>
-          <a:blip r:embed="rId12">
+          <a:blip r:embed="rId11">
             <a:extLst>
               <a:ext uri="{28A0092B-C50C-407E-A947-70E740481C1C}">
                 <a14:useLocalDpi xmlns:a14="http://schemas.microsoft.com/office/drawing/2010/main" val="0"/>
@@ -5616,6 +5939,421 @@
           </a:prstGeom>
         </p:spPr>
       </p:pic>
+      <mc:AlternateContent xmlns:mc="http://schemas.openxmlformats.org/markup-compatibility/2006">
+        <mc:Choice xmlns:a14="http://schemas.microsoft.com/office/drawing/2010/main" Requires="a14">
+          <p:sp>
+            <p:nvSpPr>
+              <p:cNvPr id="5" name="TextBox 4"/>
+              <p:cNvSpPr txBox="1"/>
+              <p:nvPr/>
+            </p:nvSpPr>
+            <p:spPr>
+              <a:xfrm>
+                <a:off x="31088013" y="20257730"/>
+                <a:ext cx="8181975" cy="1470724"/>
+              </a:xfrm>
+              <a:prstGeom prst="rect">
+                <a:avLst/>
+              </a:prstGeom>
+              <a:noFill/>
+            </p:spPr>
+            <p:txBody>
+              <a:bodyPr wrap="square" rtlCol="0">
+                <a:spAutoFit/>
+              </a:bodyPr>
+              <a:lstStyle/>
+              <a:p>
+                <a14:m>
+                  <m:oMathPara xmlns:m="http://schemas.openxmlformats.org/officeDocument/2006/math">
+                    <m:oMathParaPr>
+                      <m:jc m:val="centerGroup"/>
+                    </m:oMathParaPr>
+                    <m:oMath xmlns:m="http://schemas.openxmlformats.org/officeDocument/2006/math">
+                      <m:sSup>
+                        <m:sSupPr>
+                          <m:ctrlPr>
+                            <a:rPr lang="en-US" sz="4000" i="1" smtClean="0">
+                              <a:latin typeface="Cambria Math" panose="02040503050406030204" pitchFamily="18" charset="0"/>
+                            </a:rPr>
+                          </m:ctrlPr>
+                        </m:sSupPr>
+                        <m:e>
+                          <m:r>
+                            <a:rPr lang="en-US" sz="4000" b="0" i="1" smtClean="0">
+                              <a:latin typeface="Cambria Math" panose="02040503050406030204" pitchFamily="18" charset="0"/>
+                            </a:rPr>
+                            <m:t>𝑅</m:t>
+                          </m:r>
+                        </m:e>
+                        <m:sup>
+                          <m:r>
+                            <a:rPr lang="en-US" sz="4000" i="1" smtClean="0">
+                              <a:latin typeface="Cambria Math" panose="02040503050406030204" pitchFamily="18" charset="0"/>
+                            </a:rPr>
+                            <m:t>2</m:t>
+                          </m:r>
+                        </m:sup>
+                      </m:sSup>
+                      <m:d>
+                        <m:dPr>
+                          <m:ctrlPr>
+                            <a:rPr lang="en-US" sz="4000" b="0" i="1" smtClean="0">
+                              <a:latin typeface="Cambria Math" panose="02040503050406030204" pitchFamily="18" charset="0"/>
+                            </a:rPr>
+                          </m:ctrlPr>
+                        </m:dPr>
+                        <m:e>
+                          <m:r>
+                            <a:rPr lang="en-US" sz="4000" b="0" i="1" smtClean="0">
+                              <a:latin typeface="Cambria Math" panose="02040503050406030204" pitchFamily="18" charset="0"/>
+                            </a:rPr>
+                            <m:t>𝑦</m:t>
+                          </m:r>
+                          <m:r>
+                            <a:rPr lang="en-US" sz="4000" b="0" i="1" smtClean="0">
+                              <a:latin typeface="Cambria Math" panose="02040503050406030204" pitchFamily="18" charset="0"/>
+                            </a:rPr>
+                            <m:t>,</m:t>
+                          </m:r>
+                          <m:acc>
+                            <m:accPr>
+                              <m:chr m:val="̂"/>
+                              <m:ctrlPr>
+                                <a:rPr lang="en-US" sz="4000" b="0" i="1" smtClean="0">
+                                  <a:latin typeface="Cambria Math" panose="02040503050406030204" pitchFamily="18" charset="0"/>
+                                </a:rPr>
+                              </m:ctrlPr>
+                            </m:accPr>
+                            <m:e>
+                              <m:r>
+                                <a:rPr lang="en-US" sz="4000" b="0" i="1" smtClean="0">
+                                  <a:latin typeface="Cambria Math" panose="02040503050406030204" pitchFamily="18" charset="0"/>
+                                </a:rPr>
+                                <m:t>𝑦</m:t>
+                              </m:r>
+                            </m:e>
+                          </m:acc>
+                        </m:e>
+                      </m:d>
+                      <m:r>
+                        <a:rPr lang="en-US" sz="4000" b="0" i="1" smtClean="0">
+                          <a:latin typeface="Cambria Math" panose="02040503050406030204" pitchFamily="18" charset="0"/>
+                        </a:rPr>
+                        <m:t>=1−</m:t>
+                      </m:r>
+                      <m:f>
+                        <m:fPr>
+                          <m:ctrlPr>
+                            <a:rPr lang="en-US" sz="4000" b="0" i="1" smtClean="0">
+                              <a:latin typeface="Cambria Math" panose="02040503050406030204" pitchFamily="18" charset="0"/>
+                            </a:rPr>
+                          </m:ctrlPr>
+                        </m:fPr>
+                        <m:num>
+                          <m:nary>
+                            <m:naryPr>
+                              <m:chr m:val="∑"/>
+                              <m:limLoc m:val="subSup"/>
+                              <m:ctrlPr>
+                                <a:rPr lang="en-US" sz="4000" b="0" i="1" smtClean="0">
+                                  <a:latin typeface="Cambria Math" panose="02040503050406030204" pitchFamily="18" charset="0"/>
+                                </a:rPr>
+                              </m:ctrlPr>
+                            </m:naryPr>
+                            <m:sub>
+                              <m:r>
+                                <m:rPr>
+                                  <m:brk m:alnAt="25"/>
+                                </m:rPr>
+                                <a:rPr lang="en-US" sz="4000" b="0" i="1" smtClean="0">
+                                  <a:latin typeface="Cambria Math" panose="02040503050406030204" pitchFamily="18" charset="0"/>
+                                </a:rPr>
+                                <m:t>𝑖</m:t>
+                              </m:r>
+                              <m:r>
+                                <a:rPr lang="en-US" sz="4000" b="0" i="1" smtClean="0">
+                                  <a:latin typeface="Cambria Math" panose="02040503050406030204" pitchFamily="18" charset="0"/>
+                                </a:rPr>
+                                <m:t>=1</m:t>
+                              </m:r>
+                            </m:sub>
+                            <m:sup>
+                              <m:r>
+                                <a:rPr lang="en-US" sz="4000" b="0" i="1" smtClean="0">
+                                  <a:latin typeface="Cambria Math" panose="02040503050406030204" pitchFamily="18" charset="0"/>
+                                </a:rPr>
+                                <m:t>𝑛</m:t>
+                              </m:r>
+                            </m:sup>
+                            <m:e>
+                              <m:sSup>
+                                <m:sSupPr>
+                                  <m:ctrlPr>
+                                    <a:rPr lang="en-US" sz="4000" b="0" i="1" smtClean="0">
+                                      <a:latin typeface="Cambria Math" panose="02040503050406030204" pitchFamily="18" charset="0"/>
+                                    </a:rPr>
+                                  </m:ctrlPr>
+                                </m:sSupPr>
+                                <m:e>
+                                  <m:d>
+                                    <m:dPr>
+                                      <m:ctrlPr>
+                                        <a:rPr lang="en-US" sz="4000" i="1">
+                                          <a:latin typeface="Cambria Math" panose="02040503050406030204" pitchFamily="18" charset="0"/>
+                                        </a:rPr>
+                                      </m:ctrlPr>
+                                    </m:dPr>
+                                    <m:e>
+                                      <m:sSub>
+                                        <m:sSubPr>
+                                          <m:ctrlPr>
+                                            <a:rPr lang="en-US" sz="4000" i="1">
+                                              <a:latin typeface="Cambria Math" panose="02040503050406030204" pitchFamily="18" charset="0"/>
+                                            </a:rPr>
+                                          </m:ctrlPr>
+                                        </m:sSubPr>
+                                        <m:e>
+                                          <m:r>
+                                            <a:rPr lang="en-US" sz="4000" i="1">
+                                              <a:latin typeface="Cambria Math" panose="02040503050406030204" pitchFamily="18" charset="0"/>
+                                            </a:rPr>
+                                            <m:t>𝑦</m:t>
+                                          </m:r>
+                                        </m:e>
+                                        <m:sub>
+                                          <m:r>
+                                            <a:rPr lang="en-US" sz="4000" i="1">
+                                              <a:latin typeface="Cambria Math" panose="02040503050406030204" pitchFamily="18" charset="0"/>
+                                            </a:rPr>
+                                            <m:t>𝑖</m:t>
+                                          </m:r>
+                                        </m:sub>
+                                      </m:sSub>
+                                      <m:r>
+                                        <a:rPr lang="en-US" sz="4000" i="1">
+                                          <a:latin typeface="Cambria Math" panose="02040503050406030204" pitchFamily="18" charset="0"/>
+                                        </a:rPr>
+                                        <m:t>−</m:t>
+                                      </m:r>
+                                      <m:acc>
+                                        <m:accPr>
+                                          <m:chr m:val="̂"/>
+                                          <m:ctrlPr>
+                                            <a:rPr lang="en-US" sz="4000" i="1">
+                                              <a:latin typeface="Cambria Math" panose="02040503050406030204" pitchFamily="18" charset="0"/>
+                                            </a:rPr>
+                                          </m:ctrlPr>
+                                        </m:accPr>
+                                        <m:e>
+                                          <m:sSub>
+                                            <m:sSubPr>
+                                              <m:ctrlPr>
+                                                <a:rPr lang="en-US" sz="4000" i="1">
+                                                  <a:latin typeface="Cambria Math" panose="02040503050406030204" pitchFamily="18" charset="0"/>
+                                                </a:rPr>
+                                              </m:ctrlPr>
+                                            </m:sSubPr>
+                                            <m:e>
+                                              <m:r>
+                                                <a:rPr lang="en-US" sz="4000" i="1">
+                                                  <a:latin typeface="Cambria Math" panose="02040503050406030204" pitchFamily="18" charset="0"/>
+                                                </a:rPr>
+                                                <m:t>𝑦</m:t>
+                                              </m:r>
+                                            </m:e>
+                                            <m:sub>
+                                              <m:r>
+                                                <a:rPr lang="en-US" sz="4000" i="1">
+                                                  <a:latin typeface="Cambria Math" panose="02040503050406030204" pitchFamily="18" charset="0"/>
+                                                </a:rPr>
+                                                <m:t>𝑖</m:t>
+                                              </m:r>
+                                            </m:sub>
+                                          </m:sSub>
+                                        </m:e>
+                                      </m:acc>
+                                    </m:e>
+                                  </m:d>
+                                </m:e>
+                                <m:sup>
+                                  <m:r>
+                                    <a:rPr lang="en-US" sz="4000" b="0" i="1" smtClean="0">
+                                      <a:latin typeface="Cambria Math" panose="02040503050406030204" pitchFamily="18" charset="0"/>
+                                    </a:rPr>
+                                    <m:t>2</m:t>
+                                  </m:r>
+                                </m:sup>
+                              </m:sSup>
+                            </m:e>
+                          </m:nary>
+                        </m:num>
+                        <m:den>
+                          <m:nary>
+                            <m:naryPr>
+                              <m:chr m:val="∑"/>
+                              <m:limLoc m:val="subSup"/>
+                              <m:ctrlPr>
+                                <a:rPr lang="en-US" sz="4000" i="1">
+                                  <a:latin typeface="Cambria Math" panose="02040503050406030204" pitchFamily="18" charset="0"/>
+                                </a:rPr>
+                              </m:ctrlPr>
+                            </m:naryPr>
+                            <m:sub>
+                              <m:r>
+                                <m:rPr>
+                                  <m:brk m:alnAt="25"/>
+                                </m:rPr>
+                                <a:rPr lang="en-US" sz="4000" i="1">
+                                  <a:latin typeface="Cambria Math" panose="02040503050406030204" pitchFamily="18" charset="0"/>
+                                </a:rPr>
+                                <m:t>𝑖</m:t>
+                              </m:r>
+                              <m:r>
+                                <a:rPr lang="en-US" sz="4000" i="1">
+                                  <a:latin typeface="Cambria Math" panose="02040503050406030204" pitchFamily="18" charset="0"/>
+                                </a:rPr>
+                                <m:t>=1</m:t>
+                              </m:r>
+                            </m:sub>
+                            <m:sup>
+                              <m:r>
+                                <a:rPr lang="en-US" sz="4000" i="1">
+                                  <a:latin typeface="Cambria Math" panose="02040503050406030204" pitchFamily="18" charset="0"/>
+                                </a:rPr>
+                                <m:t>𝑛</m:t>
+                              </m:r>
+                            </m:sup>
+                            <m:e>
+                              <m:sSup>
+                                <m:sSupPr>
+                                  <m:ctrlPr>
+                                    <a:rPr lang="en-US" sz="4000" i="1">
+                                      <a:latin typeface="Cambria Math" panose="02040503050406030204" pitchFamily="18" charset="0"/>
+                                    </a:rPr>
+                                  </m:ctrlPr>
+                                </m:sSupPr>
+                                <m:e>
+                                  <m:d>
+                                    <m:dPr>
+                                      <m:ctrlPr>
+                                        <a:rPr lang="en-US" sz="4000" i="1">
+                                          <a:latin typeface="Cambria Math" panose="02040503050406030204" pitchFamily="18" charset="0"/>
+                                        </a:rPr>
+                                      </m:ctrlPr>
+                                    </m:dPr>
+                                    <m:e>
+                                      <m:sSub>
+                                        <m:sSubPr>
+                                          <m:ctrlPr>
+                                            <a:rPr lang="en-US" sz="4000" i="1">
+                                              <a:latin typeface="Cambria Math" panose="02040503050406030204" pitchFamily="18" charset="0"/>
+                                            </a:rPr>
+                                          </m:ctrlPr>
+                                        </m:sSubPr>
+                                        <m:e>
+                                          <m:r>
+                                            <a:rPr lang="en-US" sz="4000" i="1">
+                                              <a:latin typeface="Cambria Math" panose="02040503050406030204" pitchFamily="18" charset="0"/>
+                                            </a:rPr>
+                                            <m:t>𝑦</m:t>
+                                          </m:r>
+                                        </m:e>
+                                        <m:sub>
+                                          <m:r>
+                                            <a:rPr lang="en-US" sz="4000" i="1">
+                                              <a:latin typeface="Cambria Math" panose="02040503050406030204" pitchFamily="18" charset="0"/>
+                                            </a:rPr>
+                                            <m:t>𝑖</m:t>
+                                          </m:r>
+                                        </m:sub>
+                                      </m:sSub>
+                                      <m:r>
+                                        <a:rPr lang="en-US" sz="4000" i="1">
+                                          <a:latin typeface="Cambria Math" panose="02040503050406030204" pitchFamily="18" charset="0"/>
+                                        </a:rPr>
+                                        <m:t>−</m:t>
+                                      </m:r>
+                                      <m:acc>
+                                        <m:accPr>
+                                          <m:chr m:val="̅"/>
+                                          <m:ctrlPr>
+                                            <a:rPr lang="en-US" sz="4000" i="1" smtClean="0">
+                                              <a:latin typeface="Cambria Math" panose="02040503050406030204" pitchFamily="18" charset="0"/>
+                                            </a:rPr>
+                                          </m:ctrlPr>
+                                        </m:accPr>
+                                        <m:e>
+                                          <m:r>
+                                            <a:rPr lang="en-US" sz="4000" b="0" i="1" smtClean="0">
+                                              <a:latin typeface="Cambria Math" panose="02040503050406030204" pitchFamily="18" charset="0"/>
+                                            </a:rPr>
+                                            <m:t>𝑦</m:t>
+                                          </m:r>
+                                        </m:e>
+                                      </m:acc>
+                                    </m:e>
+                                  </m:d>
+                                </m:e>
+                                <m:sup>
+                                  <m:r>
+                                    <a:rPr lang="en-US" sz="4000" i="1">
+                                      <a:latin typeface="Cambria Math" panose="02040503050406030204" pitchFamily="18" charset="0"/>
+                                    </a:rPr>
+                                    <m:t>2</m:t>
+                                  </m:r>
+                                </m:sup>
+                              </m:sSup>
+                            </m:e>
+                          </m:nary>
+                        </m:den>
+                      </m:f>
+                    </m:oMath>
+                  </m:oMathPara>
+                </a14:m>
+                <a:endParaRPr lang="en-US" sz="4000" dirty="0"/>
+              </a:p>
+            </p:txBody>
+          </p:sp>
+        </mc:Choice>
+        <mc:Fallback>
+          <p:sp>
+            <p:nvSpPr>
+              <p:cNvPr id="5" name="TextBox 4"/>
+              <p:cNvSpPr txBox="1">
+                <a:spLocks noRot="1" noChangeAspect="1" noMove="1" noResize="1" noEditPoints="1" noAdjustHandles="1" noChangeArrowheads="1" noChangeShapeType="1" noTextEdit="1"/>
+              </p:cNvSpPr>
+              <p:nvPr/>
+            </p:nvSpPr>
+            <p:spPr>
+              <a:xfrm>
+                <a:off x="31088013" y="20257730"/>
+                <a:ext cx="8181975" cy="1470724"/>
+              </a:xfrm>
+              <a:prstGeom prst="rect">
+                <a:avLst/>
+              </a:prstGeom>
+              <a:blipFill>
+                <a:blip r:embed="rId12"/>
+                <a:stretch>
+                  <a:fillRect/>
+                </a:stretch>
+              </a:blipFill>
+            </p:spPr>
+            <p:txBody>
+              <a:bodyPr/>
+              <a:lstStyle/>
+              <a:p>
+                <a:r>
+                  <a:rPr lang="en-US">
+                    <a:noFill/>
+                  </a:rPr>
+                  <a:t> </a:t>
+                </a:r>
+              </a:p>
+            </p:txBody>
+          </p:sp>
+        </mc:Fallback>
+      </mc:AlternateContent>
     </p:spTree>
   </p:cSld>
   <p:clrMapOvr>
